--- a/Eindpresentatie_Pretweeters.pptx
+++ b/Eindpresentatie_Pretweeters.pptx
@@ -288,7 +288,7 @@
           <a:p>
             <a:fld id="{D47705E3-93EC-4181-AEC9-7F0838C9206B}" type="datetimeFigureOut">
               <a:rPr lang="nl-NL" smtClean="0"/>
-              <a:t>24-3-2015</a:t>
+              <a:t>25-03-15</a:t>
             </a:fld>
             <a:endParaRPr lang="nl-NL"/>
           </a:p>
@@ -330,7 +330,7 @@
           <a:p>
             <a:fld id="{1B054FDC-5CB3-4389-9E1F-A42AF7A7D464}" type="slidenum">
               <a:rPr lang="nl-NL" smtClean="0"/>
-              <a:t>‹#›</a:t>
+              <a:t>‹nr.›</a:t>
             </a:fld>
             <a:endParaRPr lang="nl-NL"/>
           </a:p>
@@ -458,7 +458,7 @@
           <a:p>
             <a:fld id="{D47705E3-93EC-4181-AEC9-7F0838C9206B}" type="datetimeFigureOut">
               <a:rPr lang="nl-NL" smtClean="0"/>
-              <a:t>24-3-2015</a:t>
+              <a:t>25-03-15</a:t>
             </a:fld>
             <a:endParaRPr lang="nl-NL"/>
           </a:p>
@@ -500,7 +500,7 @@
           <a:p>
             <a:fld id="{1B054FDC-5CB3-4389-9E1F-A42AF7A7D464}" type="slidenum">
               <a:rPr lang="nl-NL" smtClean="0"/>
-              <a:t>‹#›</a:t>
+              <a:t>‹nr.›</a:t>
             </a:fld>
             <a:endParaRPr lang="nl-NL"/>
           </a:p>
@@ -681,7 +681,7 @@
           <a:p>
             <a:fld id="{D47705E3-93EC-4181-AEC9-7F0838C9206B}" type="datetimeFigureOut">
               <a:rPr lang="nl-NL" smtClean="0"/>
-              <a:t>24-3-2015</a:t>
+              <a:t>25-03-15</a:t>
             </a:fld>
             <a:endParaRPr lang="nl-NL"/>
           </a:p>
@@ -733,7 +733,7 @@
           <a:p>
             <a:fld id="{1B054FDC-5CB3-4389-9E1F-A42AF7A7D464}" type="slidenum">
               <a:rPr lang="nl-NL" smtClean="0"/>
-              <a:t>‹#›</a:t>
+              <a:t>‹nr.›</a:t>
             </a:fld>
             <a:endParaRPr lang="nl-NL"/>
           </a:p>
@@ -861,7 +861,7 @@
           <a:p>
             <a:fld id="{D47705E3-93EC-4181-AEC9-7F0838C9206B}" type="datetimeFigureOut">
               <a:rPr lang="nl-NL" smtClean="0"/>
-              <a:t>24-3-2015</a:t>
+              <a:t>25-03-15</a:t>
             </a:fld>
             <a:endParaRPr lang="nl-NL"/>
           </a:p>
@@ -903,7 +903,7 @@
           <a:p>
             <a:fld id="{1B054FDC-5CB3-4389-9E1F-A42AF7A7D464}" type="slidenum">
               <a:rPr lang="nl-NL" smtClean="0"/>
-              <a:t>‹#›</a:t>
+              <a:t>‹nr.›</a:t>
             </a:fld>
             <a:endParaRPr lang="nl-NL"/>
           </a:p>
@@ -1167,7 +1167,7 @@
           <a:p>
             <a:fld id="{D47705E3-93EC-4181-AEC9-7F0838C9206B}" type="datetimeFigureOut">
               <a:rPr lang="nl-NL" smtClean="0"/>
-              <a:t>24-3-2015</a:t>
+              <a:t>25-03-15</a:t>
             </a:fld>
             <a:endParaRPr lang="nl-NL"/>
           </a:p>
@@ -1225,7 +1225,7 @@
           <a:p>
             <a:fld id="{1B054FDC-5CB3-4389-9E1F-A42AF7A7D464}" type="slidenum">
               <a:rPr lang="nl-NL" smtClean="0"/>
-              <a:t>‹#›</a:t>
+              <a:t>‹nr.›</a:t>
             </a:fld>
             <a:endParaRPr lang="nl-NL"/>
           </a:p>
@@ -1471,7 +1471,7 @@
           <a:p>
             <a:fld id="{D47705E3-93EC-4181-AEC9-7F0838C9206B}" type="datetimeFigureOut">
               <a:rPr lang="nl-NL" smtClean="0"/>
-              <a:t>24-3-2015</a:t>
+              <a:t>25-03-15</a:t>
             </a:fld>
             <a:endParaRPr lang="nl-NL"/>
           </a:p>
@@ -1513,7 +1513,7 @@
           <a:p>
             <a:fld id="{1B054FDC-5CB3-4389-9E1F-A42AF7A7D464}" type="slidenum">
               <a:rPr lang="nl-NL" smtClean="0"/>
-              <a:t>‹#›</a:t>
+              <a:t>‹nr.›</a:t>
             </a:fld>
             <a:endParaRPr lang="nl-NL"/>
           </a:p>
@@ -1893,7 +1893,7 @@
           <a:p>
             <a:fld id="{D47705E3-93EC-4181-AEC9-7F0838C9206B}" type="datetimeFigureOut">
               <a:rPr lang="nl-NL" smtClean="0"/>
-              <a:t>24-3-2015</a:t>
+              <a:t>25-03-15</a:t>
             </a:fld>
             <a:endParaRPr lang="nl-NL"/>
           </a:p>
@@ -1935,7 +1935,7 @@
           <a:p>
             <a:fld id="{1B054FDC-5CB3-4389-9E1F-A42AF7A7D464}" type="slidenum">
               <a:rPr lang="nl-NL" smtClean="0"/>
-              <a:t>‹#›</a:t>
+              <a:t>‹nr.›</a:t>
             </a:fld>
             <a:endParaRPr lang="nl-NL"/>
           </a:p>
@@ -2011,7 +2011,7 @@
           <a:p>
             <a:fld id="{D47705E3-93EC-4181-AEC9-7F0838C9206B}" type="datetimeFigureOut">
               <a:rPr lang="nl-NL" smtClean="0"/>
-              <a:t>24-3-2015</a:t>
+              <a:t>25-03-15</a:t>
             </a:fld>
             <a:endParaRPr lang="nl-NL"/>
           </a:p>
@@ -2053,7 +2053,7 @@
           <a:p>
             <a:fld id="{1B054FDC-5CB3-4389-9E1F-A42AF7A7D464}" type="slidenum">
               <a:rPr lang="nl-NL" smtClean="0"/>
-              <a:t>‹#›</a:t>
+              <a:t>‹nr.›</a:t>
             </a:fld>
             <a:endParaRPr lang="nl-NL"/>
           </a:p>
@@ -2106,7 +2106,7 @@
           <a:p>
             <a:fld id="{D47705E3-93EC-4181-AEC9-7F0838C9206B}" type="datetimeFigureOut">
               <a:rPr lang="nl-NL" smtClean="0"/>
-              <a:t>24-3-2015</a:t>
+              <a:t>25-03-15</a:t>
             </a:fld>
             <a:endParaRPr lang="nl-NL"/>
           </a:p>
@@ -2148,7 +2148,7 @@
           <a:p>
             <a:fld id="{1B054FDC-5CB3-4389-9E1F-A42AF7A7D464}" type="slidenum">
               <a:rPr lang="nl-NL" smtClean="0"/>
-              <a:t>‹#›</a:t>
+              <a:t>‹nr.›</a:t>
             </a:fld>
             <a:endParaRPr lang="nl-NL"/>
           </a:p>
@@ -2379,7 +2379,7 @@
           <a:p>
             <a:fld id="{D47705E3-93EC-4181-AEC9-7F0838C9206B}" type="datetimeFigureOut">
               <a:rPr lang="nl-NL" smtClean="0"/>
-              <a:t>24-3-2015</a:t>
+              <a:t>25-03-15</a:t>
             </a:fld>
             <a:endParaRPr lang="nl-NL"/>
           </a:p>
@@ -2421,7 +2421,7 @@
           <a:p>
             <a:fld id="{1B054FDC-5CB3-4389-9E1F-A42AF7A7D464}" type="slidenum">
               <a:rPr lang="nl-NL" smtClean="0"/>
-              <a:t>‹#›</a:t>
+              <a:t>‹nr.›</a:t>
             </a:fld>
             <a:endParaRPr lang="nl-NL"/>
           </a:p>
@@ -2644,7 +2644,7 @@
           <a:p>
             <a:fld id="{D47705E3-93EC-4181-AEC9-7F0838C9206B}" type="datetimeFigureOut">
               <a:rPr lang="nl-NL" smtClean="0"/>
-              <a:t>24-3-2015</a:t>
+              <a:t>25-03-15</a:t>
             </a:fld>
             <a:endParaRPr lang="nl-NL"/>
           </a:p>
@@ -2686,7 +2686,7 @@
           <a:p>
             <a:fld id="{1B054FDC-5CB3-4389-9E1F-A42AF7A7D464}" type="slidenum">
               <a:rPr lang="nl-NL" smtClean="0"/>
-              <a:t>‹#›</a:t>
+              <a:t>‹nr.›</a:t>
             </a:fld>
             <a:endParaRPr lang="nl-NL"/>
           </a:p>
@@ -2893,7 +2893,7 @@
           <a:p>
             <a:fld id="{D47705E3-93EC-4181-AEC9-7F0838C9206B}" type="datetimeFigureOut">
               <a:rPr lang="nl-NL" smtClean="0"/>
-              <a:t>24-3-2015</a:t>
+              <a:t>25-03-15</a:t>
             </a:fld>
             <a:endParaRPr lang="nl-NL"/>
           </a:p>
@@ -2967,7 +2967,7 @@
           <a:p>
             <a:fld id="{1B054FDC-5CB3-4389-9E1F-A42AF7A7D464}" type="slidenum">
               <a:rPr lang="nl-NL" smtClean="0"/>
-              <a:t>‹#›</a:t>
+              <a:t>‹nr.›</a:t>
             </a:fld>
             <a:endParaRPr lang="nl-NL"/>
           </a:p>
@@ -3453,7 +3453,7 @@
   <p:timing>
     <p:tnLst>
       <p:par>
-        <p:cTn id="1" dur="indefinite" restart="never" nodeType="tmRoot"/>
+        <p:cTn xmlns:p14="http://schemas.microsoft.com/office/powerpoint/2010/main" id="1" dur="indefinite" restart="never" nodeType="tmRoot"/>
       </p:par>
     </p:tnLst>
   </p:timing>
@@ -3565,7 +3565,7 @@
   <p:timing>
     <p:tnLst>
       <p:par>
-        <p:cTn id="1" dur="indefinite" restart="never" nodeType="tmRoot"/>
+        <p:cTn xmlns:p14="http://schemas.microsoft.com/office/powerpoint/2010/main" id="1" dur="indefinite" restart="never" nodeType="tmRoot"/>
       </p:par>
     </p:tnLst>
   </p:timing>
@@ -3721,7 +3721,7 @@
   <p:timing>
     <p:tnLst>
       <p:par>
-        <p:cTn id="1" dur="indefinite" restart="never" nodeType="tmRoot"/>
+        <p:cTn xmlns:p14="http://schemas.microsoft.com/office/powerpoint/2010/main" id="1" dur="indefinite" restart="never" nodeType="tmRoot"/>
       </p:par>
     </p:tnLst>
   </p:timing>
@@ -3847,6 +3847,70 @@
             </a:r>
             <a:endParaRPr lang="nl-NL" dirty="0" smtClean="0"/>
           </a:p>
+          <a:p>
+            <a:r>
+              <a:rPr lang="nl-NL" dirty="0" smtClean="0"/>
+              <a:t>[</a:t>
+            </a:r>
+            <a:r>
+              <a:rPr lang="nl-NL" dirty="0" err="1"/>
+              <a:t>vu:d</a:t>
+            </a:r>
+            <a:r>
+              <a:rPr lang="nl-NL" dirty="0"/>
+              <a:t>][</a:t>
+            </a:r>
+            <a:r>
+              <a:rPr lang="nl-NL" dirty="0" err="1"/>
+              <a:t>bAl</a:t>
+            </a:r>
+            <a:r>
+              <a:rPr lang="nl-NL" dirty="0" smtClean="0"/>
+              <a:t>]		[</a:t>
+            </a:r>
+            <a:r>
+              <a:rPr lang="nl-NL" dirty="0"/>
+              <a:t>In][</a:t>
+            </a:r>
+            <a:r>
+              <a:rPr lang="nl-NL" dirty="0" err="1"/>
+              <a:t>vAl</a:t>
+            </a:r>
+            <a:r>
+              <a:rPr lang="nl-NL" dirty="0" smtClean="0"/>
+              <a:t>]</a:t>
+            </a:r>
+          </a:p>
+          <a:p>
+            <a:r>
+              <a:rPr lang="nl-NL" dirty="0"/>
+              <a:t>[ka:][vi:][</a:t>
+            </a:r>
+            <a:r>
+              <a:rPr lang="nl-NL" dirty="0" err="1"/>
+              <a:t>ja:r</a:t>
+            </a:r>
+            <a:r>
+              <a:rPr lang="nl-NL" dirty="0"/>
+              <a:t>]		[Am][t@][</a:t>
+            </a:r>
+            <a:r>
+              <a:rPr lang="nl-NL" dirty="0" err="1"/>
+              <a:t>na:r</a:t>
+            </a:r>
+            <a:r>
+              <a:rPr lang="nl-NL"/>
+              <a:t>]</a:t>
+            </a:r>
+            <a:r>
+              <a:rPr lang="nl-NL" dirty="0" smtClean="0"/>
+              <a:t>		</a:t>
+            </a:r>
+            <a:endParaRPr lang="nl-NL" dirty="0"/>
+          </a:p>
+          <a:p>
+            <a:endParaRPr lang="nl-NL" dirty="0" smtClean="0"/>
+          </a:p>
         </p:txBody>
       </p:sp>
     </p:spTree>
@@ -3862,7 +3926,7 @@
   <p:timing>
     <p:tnLst>
       <p:par>
-        <p:cTn id="1" dur="indefinite" restart="never" nodeType="tmRoot"/>
+        <p:cTn xmlns:p14="http://schemas.microsoft.com/office/powerpoint/2010/main" id="1" dur="indefinite" restart="never" nodeType="tmRoot"/>
       </p:par>
     </p:tnLst>
   </p:timing>
@@ -3979,7 +4043,7 @@
   <p:timing>
     <p:tnLst>
       <p:par>
-        <p:cTn id="1" dur="indefinite" restart="never" nodeType="tmRoot"/>
+        <p:cTn xmlns:p14="http://schemas.microsoft.com/office/powerpoint/2010/main" id="1" dur="indefinite" restart="never" nodeType="tmRoot"/>
       </p:par>
     </p:tnLst>
   </p:timing>
@@ -4109,7 +4173,7 @@
   <p:timing>
     <p:tnLst>
       <p:par>
-        <p:cTn id="1" dur="indefinite" restart="never" nodeType="tmRoot"/>
+        <p:cTn xmlns:p14="http://schemas.microsoft.com/office/powerpoint/2010/main" id="1" dur="indefinite" restart="never" nodeType="tmRoot"/>
       </p:par>
     </p:tnLst>
   </p:timing>
@@ -4159,7 +4223,7 @@
     </a:clrScheme>
     <a:fontScheme name="Banded">
       <a:majorFont>
-        <a:latin typeface="Corbel" panose="020B0503020204020204"/>
+        <a:latin typeface="Corbel"/>
         <a:ea typeface=""/>
         <a:cs typeface=""/>
         <a:font script="Jpan" typeface="ＭＳ ゴシック"/>
@@ -4194,7 +4258,7 @@
         <a:font script="Geor" typeface="Sylfaen"/>
       </a:majorFont>
       <a:minorFont>
-        <a:latin typeface="Corbel" panose="020B0503020204020204"/>
+        <a:latin typeface="Corbel"/>
         <a:ea typeface=""/>
         <a:cs typeface=""/>
         <a:font script="Jpan" typeface="ＭＳ ゴシック"/>
@@ -4372,7 +4436,7 @@
   <a:extraClrSchemeLst/>
   <a:extLst>
     <a:ext uri="{05A4C25C-085E-4340-85A3-A5531E510DB2}">
-      <thm15:themeFamily xmlns:thm15="http://schemas.microsoft.com/office/thememl/2012/main" name="Banded" id="{98DFF888-2449-4D28-977C-6306C017633E}" vid="{9792607F-9579-4224-82FF-9C88C3E1E53D}"/>
+      <thm15:themeFamily xmlns:thm15="http://schemas.microsoft.com/office/thememl/2012/main" xmlns="" name="Banded" id="{98DFF888-2449-4D28-977C-6306C017633E}" vid="{9792607F-9579-4224-82FF-9C88C3E1E53D}"/>
     </a:ext>
   </a:extLst>
 </a:theme>

--- a/Eindpresentatie_Pretweeters.pptx
+++ b/Eindpresentatie_Pretweeters.pptx
@@ -11,6 +11,7 @@
     <p:sldId id="259" r:id="rId5"/>
     <p:sldId id="260" r:id="rId6"/>
     <p:sldId id="261" r:id="rId7"/>
+    <p:sldId id="262" r:id="rId8"/>
   </p:sldIdLst>
   <p:sldSz cx="12192000" cy="6858000"/>
   <p:notesSz cx="6858000" cy="9144000"/>
@@ -109,6 +110,22 @@
       </a:defRPr>
     </a:lvl9pPr>
   </p:defaultTextStyle>
+  <p:extLst>
+    <p:ext uri="{EFAFB233-063F-42B5-8137-9DF3F51BA10A}">
+      <p15:sldGuideLst xmlns:p15="http://schemas.microsoft.com/office/powerpoint/2012/main">
+        <p15:guide id="1" orient="horz" pos="2160">
+          <p15:clr>
+            <a:srgbClr val="A4A3A4"/>
+          </p15:clr>
+        </p15:guide>
+        <p15:guide id="2" pos="3840">
+          <p15:clr>
+            <a:srgbClr val="A4A3A4"/>
+          </p15:clr>
+        </p15:guide>
+      </p15:sldGuideLst>
+    </p:ext>
+  </p:extLst>
 </p:presentation>
 </file>
 
@@ -288,7 +305,7 @@
           <a:p>
             <a:fld id="{D47705E3-93EC-4181-AEC9-7F0838C9206B}" type="datetimeFigureOut">
               <a:rPr lang="nl-NL" smtClean="0"/>
-              <a:t>25-03-15</a:t>
+              <a:t>26-03-15</a:t>
             </a:fld>
             <a:endParaRPr lang="nl-NL"/>
           </a:p>
@@ -458,7 +475,7 @@
           <a:p>
             <a:fld id="{D47705E3-93EC-4181-AEC9-7F0838C9206B}" type="datetimeFigureOut">
               <a:rPr lang="nl-NL" smtClean="0"/>
-              <a:t>25-03-15</a:t>
+              <a:t>26-03-15</a:t>
             </a:fld>
             <a:endParaRPr lang="nl-NL"/>
           </a:p>
@@ -681,7 +698,7 @@
           <a:p>
             <a:fld id="{D47705E3-93EC-4181-AEC9-7F0838C9206B}" type="datetimeFigureOut">
               <a:rPr lang="nl-NL" smtClean="0"/>
-              <a:t>25-03-15</a:t>
+              <a:t>26-03-15</a:t>
             </a:fld>
             <a:endParaRPr lang="nl-NL"/>
           </a:p>
@@ -861,7 +878,7 @@
           <a:p>
             <a:fld id="{D47705E3-93EC-4181-AEC9-7F0838C9206B}" type="datetimeFigureOut">
               <a:rPr lang="nl-NL" smtClean="0"/>
-              <a:t>25-03-15</a:t>
+              <a:t>26-03-15</a:t>
             </a:fld>
             <a:endParaRPr lang="nl-NL"/>
           </a:p>
@@ -1167,7 +1184,7 @@
           <a:p>
             <a:fld id="{D47705E3-93EC-4181-AEC9-7F0838C9206B}" type="datetimeFigureOut">
               <a:rPr lang="nl-NL" smtClean="0"/>
-              <a:t>25-03-15</a:t>
+              <a:t>26-03-15</a:t>
             </a:fld>
             <a:endParaRPr lang="nl-NL"/>
           </a:p>
@@ -1471,7 +1488,7 @@
           <a:p>
             <a:fld id="{D47705E3-93EC-4181-AEC9-7F0838C9206B}" type="datetimeFigureOut">
               <a:rPr lang="nl-NL" smtClean="0"/>
-              <a:t>25-03-15</a:t>
+              <a:t>26-03-15</a:t>
             </a:fld>
             <a:endParaRPr lang="nl-NL"/>
           </a:p>
@@ -1893,7 +1910,7 @@
           <a:p>
             <a:fld id="{D47705E3-93EC-4181-AEC9-7F0838C9206B}" type="datetimeFigureOut">
               <a:rPr lang="nl-NL" smtClean="0"/>
-              <a:t>25-03-15</a:t>
+              <a:t>26-03-15</a:t>
             </a:fld>
             <a:endParaRPr lang="nl-NL"/>
           </a:p>
@@ -2011,7 +2028,7 @@
           <a:p>
             <a:fld id="{D47705E3-93EC-4181-AEC9-7F0838C9206B}" type="datetimeFigureOut">
               <a:rPr lang="nl-NL" smtClean="0"/>
-              <a:t>25-03-15</a:t>
+              <a:t>26-03-15</a:t>
             </a:fld>
             <a:endParaRPr lang="nl-NL"/>
           </a:p>
@@ -2106,7 +2123,7 @@
           <a:p>
             <a:fld id="{D47705E3-93EC-4181-AEC9-7F0838C9206B}" type="datetimeFigureOut">
               <a:rPr lang="nl-NL" smtClean="0"/>
-              <a:t>25-03-15</a:t>
+              <a:t>26-03-15</a:t>
             </a:fld>
             <a:endParaRPr lang="nl-NL"/>
           </a:p>
@@ -2379,7 +2396,7 @@
           <a:p>
             <a:fld id="{D47705E3-93EC-4181-AEC9-7F0838C9206B}" type="datetimeFigureOut">
               <a:rPr lang="nl-NL" smtClean="0"/>
-              <a:t>25-03-15</a:t>
+              <a:t>26-03-15</a:t>
             </a:fld>
             <a:endParaRPr lang="nl-NL"/>
           </a:p>
@@ -2644,7 +2661,7 @@
           <a:p>
             <a:fld id="{D47705E3-93EC-4181-AEC9-7F0838C9206B}" type="datetimeFigureOut">
               <a:rPr lang="nl-NL" smtClean="0"/>
-              <a:t>25-03-15</a:t>
+              <a:t>26-03-15</a:t>
             </a:fld>
             <a:endParaRPr lang="nl-NL"/>
           </a:p>
@@ -2893,7 +2910,7 @@
           <a:p>
             <a:fld id="{D47705E3-93EC-4181-AEC9-7F0838C9206B}" type="datetimeFigureOut">
               <a:rPr lang="nl-NL" smtClean="0"/>
-              <a:t>25-03-15</a:t>
+              <a:t>26-03-15</a:t>
             </a:fld>
             <a:endParaRPr lang="nl-NL"/>
           </a:p>
@@ -3453,7 +3470,7 @@
   <p:timing>
     <p:tnLst>
       <p:par>
-        <p:cTn xmlns:p14="http://schemas.microsoft.com/office/powerpoint/2010/main" id="1" dur="indefinite" restart="never" nodeType="tmRoot"/>
+        <p:cTn id="1" dur="indefinite" restart="never" nodeType="tmRoot"/>
       </p:par>
     </p:tnLst>
   </p:timing>
@@ -3565,7 +3582,7 @@
   <p:timing>
     <p:tnLst>
       <p:par>
-        <p:cTn xmlns:p14="http://schemas.microsoft.com/office/powerpoint/2010/main" id="1" dur="indefinite" restart="never" nodeType="tmRoot"/>
+        <p:cTn id="1" dur="indefinite" restart="never" nodeType="tmRoot"/>
       </p:par>
     </p:tnLst>
   </p:timing>
@@ -3721,7 +3738,7 @@
   <p:timing>
     <p:tnLst>
       <p:par>
-        <p:cTn xmlns:p14="http://schemas.microsoft.com/office/powerpoint/2010/main" id="1" dur="indefinite" restart="never" nodeType="tmRoot"/>
+        <p:cTn id="1" dur="indefinite" restart="never" nodeType="tmRoot"/>
       </p:par>
     </p:tnLst>
   </p:timing>
@@ -3926,7 +3943,7 @@
   <p:timing>
     <p:tnLst>
       <p:par>
-        <p:cTn xmlns:p14="http://schemas.microsoft.com/office/powerpoint/2010/main" id="1" dur="indefinite" restart="never" nodeType="tmRoot"/>
+        <p:cTn id="1" dur="indefinite" restart="never" nodeType="tmRoot"/>
       </p:par>
     </p:tnLst>
   </p:timing>
@@ -4030,6 +4047,36 @@
           </a:p>
         </p:txBody>
       </p:sp>
+      <p:pic>
+        <p:nvPicPr>
+          <p:cNvPr id="4" name="Afbeelding 3" descr="Schermafbeelding 2015-03-26 om 10.14.46.png"/>
+          <p:cNvPicPr>
+            <a:picLocks noChangeAspect="1"/>
+          </p:cNvPicPr>
+          <p:nvPr/>
+        </p:nvPicPr>
+        <p:blipFill>
+          <a:blip r:embed="rId2" cstate="print">
+            <a:extLst>
+              <a:ext uri="{28A0092B-C50C-407E-A947-70E740481C1C}">
+                <a14:useLocalDpi xmlns:a14="http://schemas.microsoft.com/office/drawing/2010/main" val="0"/>
+              </a:ext>
+            </a:extLst>
+          </a:blip>
+          <a:stretch>
+            <a:fillRect/>
+          </a:stretch>
+        </p:blipFill>
+        <p:spPr>
+          <a:xfrm>
+            <a:off x="1202919" y="3155770"/>
+            <a:ext cx="8831730" cy="4166693"/>
+          </a:xfrm>
+          <a:prstGeom prst="rect">
+            <a:avLst/>
+          </a:prstGeom>
+        </p:spPr>
+      </p:pic>
     </p:spTree>
     <p:extLst>
       <p:ext uri="{BB962C8B-B14F-4D97-AF65-F5344CB8AC3E}">
@@ -4043,7 +4090,7 @@
   <p:timing>
     <p:tnLst>
       <p:par>
-        <p:cTn xmlns:p14="http://schemas.microsoft.com/office/powerpoint/2010/main" id="1" dur="indefinite" restart="never" nodeType="tmRoot"/>
+        <p:cTn id="1" dur="indefinite" restart="never" nodeType="tmRoot"/>
       </p:par>
     </p:tnLst>
   </p:timing>
@@ -4173,10 +4220,95 @@
   <p:timing>
     <p:tnLst>
       <p:par>
-        <p:cTn xmlns:p14="http://schemas.microsoft.com/office/powerpoint/2010/main" id="1" dur="indefinite" restart="never" nodeType="tmRoot"/>
+        <p:cTn id="1" dur="indefinite" restart="never" nodeType="tmRoot"/>
       </p:par>
     </p:tnLst>
   </p:timing>
+</p:sld>
+</file>
+
+<file path=ppt/slides/slide7.xml><?xml version="1.0" encoding="utf-8"?>
+<p:sld xmlns:a="http://schemas.openxmlformats.org/drawingml/2006/main" xmlns:r="http://schemas.openxmlformats.org/officeDocument/2006/relationships" xmlns:p="http://schemas.openxmlformats.org/presentationml/2006/main">
+  <p:cSld>
+    <p:spTree>
+      <p:nvGrpSpPr>
+        <p:cNvPr id="1" name=""/>
+        <p:cNvGrpSpPr/>
+        <p:nvPr/>
+      </p:nvGrpSpPr>
+      <p:grpSpPr>
+        <a:xfrm>
+          <a:off x="0" y="0"/>
+          <a:ext cx="0" cy="0"/>
+          <a:chOff x="0" y="0"/>
+          <a:chExt cx="0" cy="0"/>
+        </a:xfrm>
+      </p:grpSpPr>
+      <p:sp>
+        <p:nvSpPr>
+          <p:cNvPr id="2" name="Titel 1"/>
+          <p:cNvSpPr>
+            <a:spLocks noGrp="1"/>
+          </p:cNvSpPr>
+          <p:nvPr>
+            <p:ph type="title"/>
+          </p:nvPr>
+        </p:nvSpPr>
+        <p:spPr/>
+        <p:txBody>
+          <a:bodyPr/>
+          <a:lstStyle/>
+          <a:p>
+            <a:r>
+              <a:rPr lang="nl-NL" dirty="0" smtClean="0"/>
+              <a:t>Voorbeeld</a:t>
+            </a:r>
+            <a:endParaRPr lang="nl-NL" dirty="0"/>
+          </a:p>
+        </p:txBody>
+      </p:sp>
+      <p:pic>
+        <p:nvPicPr>
+          <p:cNvPr id="4" name="Tijdelijke aanduiding voor inhoud 3" descr="Schermafbeelding 2015-03-24 om 11.06.58.png"/>
+          <p:cNvPicPr>
+            <a:picLocks noGrp="1" noChangeAspect="1"/>
+          </p:cNvPicPr>
+          <p:nvPr>
+            <p:ph idx="1"/>
+          </p:nvPr>
+        </p:nvPicPr>
+        <p:blipFill>
+          <a:blip r:embed="rId2">
+            <a:extLst>
+              <a:ext uri="{28A0092B-C50C-407E-A947-70E740481C1C}">
+                <a14:useLocalDpi xmlns:a14="http://schemas.microsoft.com/office/drawing/2010/main" val="0"/>
+              </a:ext>
+            </a:extLst>
+          </a:blip>
+          <a:stretch>
+            <a:fillRect/>
+          </a:stretch>
+        </p:blipFill>
+        <p:spPr>
+          <a:xfrm>
+            <a:off x="-299962" y="1686298"/>
+            <a:ext cx="12491962" cy="4548248"/>
+          </a:xfrm>
+          <a:prstGeom prst="rect">
+            <a:avLst/>
+          </a:prstGeom>
+        </p:spPr>
+      </p:pic>
+    </p:spTree>
+    <p:extLst>
+      <p:ext uri="{BB962C8B-B14F-4D97-AF65-F5344CB8AC3E}">
+        <p14:creationId xmlns:p14="http://schemas.microsoft.com/office/powerpoint/2010/main" val="596516649"/>
+      </p:ext>
+    </p:extLst>
+  </p:cSld>
+  <p:clrMapOvr>
+    <a:masterClrMapping/>
+  </p:clrMapOvr>
 </p:sld>
 </file>
 
@@ -4436,7 +4568,7 @@
   <a:extraClrSchemeLst/>
   <a:extLst>
     <a:ext uri="{05A4C25C-085E-4340-85A3-A5531E510DB2}">
-      <thm15:themeFamily xmlns:thm15="http://schemas.microsoft.com/office/thememl/2012/main" xmlns="" name="Banded" id="{98DFF888-2449-4D28-977C-6306C017633E}" vid="{9792607F-9579-4224-82FF-9C88C3E1E53D}"/>
+      <thm15:themeFamily xmlns:thm15="http://schemas.microsoft.com/office/thememl/2012/main" name="Banded" id="{98DFF888-2449-4D28-977C-6306C017633E}" vid="{9792607F-9579-4224-82FF-9C88C3E1E53D}"/>
     </a:ext>
   </a:extLst>
 </a:theme>
